--- a/files/CogPsychDay14.pptx
+++ b/files/CogPsychDay14.pptx
@@ -83,21 +83,21 @@
   <p:notesSz cx="6858000" cy="9144000"/>
   <p:embeddedFontLst>
     <p:embeddedFont>
-      <p:font typeface="Calibri" panose="020F0502020204030204" pitchFamily="34" charset="0"/>
+      <p:font typeface="Raleway" panose="020B0604020202020204" charset="0"/>
       <p:regular r:id="rId73"/>
       <p:bold r:id="rId74"/>
       <p:italic r:id="rId75"/>
       <p:boldItalic r:id="rId76"/>
     </p:embeddedFont>
     <p:embeddedFont>
-      <p:font typeface="Lato" panose="020B0604020202020204" charset="0"/>
+      <p:font typeface="Calibri" panose="020F0502020204030204" pitchFamily="34" charset="0"/>
       <p:regular r:id="rId77"/>
       <p:bold r:id="rId78"/>
       <p:italic r:id="rId79"/>
       <p:boldItalic r:id="rId80"/>
     </p:embeddedFont>
     <p:embeddedFont>
-      <p:font typeface="Raleway" panose="020B0604020202020204" charset="0"/>
+      <p:font typeface="Lato" panose="020B0604020202020204" charset="0"/>
       <p:regular r:id="rId81"/>
       <p:bold r:id="rId82"/>
       <p:italic r:id="rId83"/>
@@ -3792,7 +3792,7 @@
         </p:nvSpPr>
         <p:spPr>
           <a:xfrm>
-            <a:off x="381300" y="685800"/>
+            <a:off x="381000" y="685800"/>
             <a:ext cx="6096000" cy="3429000"/>
           </a:xfrm>
           <a:custGeom>
@@ -19552,10 +19552,10 @@
               <a:buNone/>
             </a:pPr>
             <a:r>
-              <a:rPr lang="en" sz="2400"/>
+              <a:rPr lang="en" sz="2400" dirty="0"/>
               <a:t>Scientist Summaries:</a:t>
             </a:r>
-            <a:endParaRPr sz="2400"/>
+            <a:endParaRPr sz="2400" dirty="0"/>
           </a:p>
           <a:p>
             <a:pPr marL="457200" lvl="0" indent="-342900" algn="l" rtl="0">
@@ -19569,10 +19569,10 @@
               <a:buChar char="▷"/>
             </a:pPr>
             <a:r>
-              <a:rPr lang="en" sz="1800"/>
+              <a:rPr lang="en" sz="1800" dirty="0"/>
               <a:t>Hutter &amp; Wilson (2018) -&gt; category learning</a:t>
             </a:r>
-            <a:endParaRPr sz="1800"/>
+            <a:endParaRPr sz="1800" dirty="0"/>
           </a:p>
           <a:p>
             <a:pPr marL="457200" lvl="0" indent="-342900" algn="l" rtl="0">
@@ -19586,10 +19586,10 @@
               <a:buChar char="▷"/>
             </a:pPr>
             <a:r>
-              <a:rPr lang="en" sz="1800"/>
+              <a:rPr lang="en" sz="1800" dirty="0"/>
               <a:t>Frankland &amp; Josselyn (2018) -&gt; conditioning</a:t>
             </a:r>
-            <a:endParaRPr sz="1800"/>
+            <a:endParaRPr sz="1800" dirty="0"/>
           </a:p>
           <a:p>
             <a:pPr marL="457200" lvl="0" indent="-342900" algn="l" rtl="0">
@@ -19603,10 +19603,10 @@
               <a:buChar char="▷"/>
             </a:pPr>
             <a:r>
-              <a:rPr lang="en" sz="1800"/>
+              <a:rPr lang="en" sz="1800" dirty="0"/>
               <a:t>Ramirez (2018) -&gt; consolidation of memories </a:t>
             </a:r>
-            <a:endParaRPr sz="1800"/>
+            <a:endParaRPr sz="1800" dirty="0"/>
           </a:p>
           <a:p>
             <a:pPr marL="457200" lvl="0" indent="-342900" algn="l" rtl="0">
@@ -19620,10 +19620,10 @@
               <a:buChar char="▷"/>
             </a:pPr>
             <a:r>
-              <a:rPr lang="en" sz="1800"/>
+              <a:rPr lang="en" sz="1800" dirty="0"/>
               <a:t>Just read 1; gives you an extra example of scientist summary, since you haven’t had as many</a:t>
             </a:r>
-            <a:endParaRPr sz="1800"/>
+            <a:endParaRPr sz="1800" dirty="0"/>
           </a:p>
           <a:p>
             <a:pPr marL="0" lvl="0" indent="0" algn="l" rtl="0">
@@ -19636,14 +19636,14 @@
               <a:buNone/>
             </a:pPr>
             <a:r>
-              <a:rPr lang="en" sz="2400"/>
+              <a:rPr lang="en" sz="2400" dirty="0"/>
               <a:t>Podcast</a:t>
             </a:r>
             <a:r>
-              <a:rPr lang="en"/>
+              <a:rPr lang="en" dirty="0"/>
               <a:t>:</a:t>
             </a:r>
-            <a:endParaRPr/>
+            <a:endParaRPr dirty="0"/>
           </a:p>
           <a:p>
             <a:pPr marL="457200" lvl="0" indent="-342900" algn="l" rtl="0">
@@ -19657,10 +19657,10 @@
               <a:buChar char="▷"/>
             </a:pPr>
             <a:r>
-              <a:rPr lang="en" sz="1800"/>
+              <a:rPr lang="en" sz="1800" dirty="0"/>
               <a:t>Looking Back from Hidden Brain</a:t>
             </a:r>
-            <a:endParaRPr sz="1800"/>
+            <a:endParaRPr sz="1800" dirty="0"/>
           </a:p>
           <a:p>
             <a:pPr marL="914400" lvl="1" indent="-342900" algn="l" rtl="0">
@@ -19674,10 +19674,10 @@
               <a:buChar char="○"/>
             </a:pPr>
             <a:r>
-              <a:rPr lang="en" sz="1800"/>
+              <a:rPr lang="en" sz="1800" dirty="0"/>
               <a:t>Can think of this in light of Stanley et al. (2017) (the counterfactuals, imagine memory worse/better)</a:t>
             </a:r>
-            <a:endParaRPr sz="1800"/>
+            <a:endParaRPr sz="1800" dirty="0"/>
           </a:p>
           <a:p>
             <a:pPr marL="0" lvl="0" indent="0" algn="l" rtl="0">
@@ -19691,7 +19691,11 @@
             </a:pPr>
             <a:r>
               <a:rPr lang="en" sz="2400"/>
-              <a:t>Wikipedia Biography</a:t>
+              <a:t>Wikipedia </a:t>
+            </a:r>
+            <a:r>
+              <a:rPr lang="en" sz="2400" smtClean="0"/>
+              <a:t>Biography (see Slides on Friday for guide)</a:t>
             </a:r>
             <a:endParaRPr sz="2400"/>
           </a:p>
@@ -19706,10 +19710,10 @@
               <a:buNone/>
             </a:pPr>
             <a:r>
-              <a:rPr lang="en" sz="2400"/>
+              <a:rPr lang="en" sz="2400" dirty="0"/>
               <a:t>Midsemester Course Feedback - please!</a:t>
             </a:r>
-            <a:endParaRPr sz="2400"/>
+            <a:endParaRPr sz="2400" dirty="0"/>
           </a:p>
         </p:txBody>
       </p:sp>
